--- a/Documents/UIplan.pptx
+++ b/Documents/UIplan.pptx
@@ -268,7 +268,7 @@
           <a:p>
             <a:fld id="{87C18632-067B-4D35-97FC-DCD903816E93}" type="datetimeFigureOut">
               <a:rPr lang="en-US" smtClean="0"/>
-              <a:t>8/23/2020</a:t>
+              <a:t>9/5/2020</a:t>
             </a:fld>
             <a:endParaRPr lang="en-US"/>
           </a:p>
@@ -466,7 +466,7 @@
           <a:p>
             <a:fld id="{87C18632-067B-4D35-97FC-DCD903816E93}" type="datetimeFigureOut">
               <a:rPr lang="en-US" smtClean="0"/>
-              <a:t>8/23/2020</a:t>
+              <a:t>9/5/2020</a:t>
             </a:fld>
             <a:endParaRPr lang="en-US"/>
           </a:p>
@@ -674,7 +674,7 @@
           <a:p>
             <a:fld id="{87C18632-067B-4D35-97FC-DCD903816E93}" type="datetimeFigureOut">
               <a:rPr lang="en-US" smtClean="0"/>
-              <a:t>8/23/2020</a:t>
+              <a:t>9/5/2020</a:t>
             </a:fld>
             <a:endParaRPr lang="en-US"/>
           </a:p>
@@ -872,7 +872,7 @@
           <a:p>
             <a:fld id="{87C18632-067B-4D35-97FC-DCD903816E93}" type="datetimeFigureOut">
               <a:rPr lang="en-US" smtClean="0"/>
-              <a:t>8/23/2020</a:t>
+              <a:t>9/5/2020</a:t>
             </a:fld>
             <a:endParaRPr lang="en-US"/>
           </a:p>
@@ -1147,7 +1147,7 @@
           <a:p>
             <a:fld id="{87C18632-067B-4D35-97FC-DCD903816E93}" type="datetimeFigureOut">
               <a:rPr lang="en-US" smtClean="0"/>
-              <a:t>8/23/2020</a:t>
+              <a:t>9/5/2020</a:t>
             </a:fld>
             <a:endParaRPr lang="en-US"/>
           </a:p>
@@ -1412,7 +1412,7 @@
           <a:p>
             <a:fld id="{87C18632-067B-4D35-97FC-DCD903816E93}" type="datetimeFigureOut">
               <a:rPr lang="en-US" smtClean="0"/>
-              <a:t>8/23/2020</a:t>
+              <a:t>9/5/2020</a:t>
             </a:fld>
             <a:endParaRPr lang="en-US"/>
           </a:p>
@@ -1824,7 +1824,7 @@
           <a:p>
             <a:fld id="{87C18632-067B-4D35-97FC-DCD903816E93}" type="datetimeFigureOut">
               <a:rPr lang="en-US" smtClean="0"/>
-              <a:t>8/23/2020</a:t>
+              <a:t>9/5/2020</a:t>
             </a:fld>
             <a:endParaRPr lang="en-US"/>
           </a:p>
@@ -1965,7 +1965,7 @@
           <a:p>
             <a:fld id="{87C18632-067B-4D35-97FC-DCD903816E93}" type="datetimeFigureOut">
               <a:rPr lang="en-US" smtClean="0"/>
-              <a:t>8/23/2020</a:t>
+              <a:t>9/5/2020</a:t>
             </a:fld>
             <a:endParaRPr lang="en-US"/>
           </a:p>
@@ -2078,7 +2078,7 @@
           <a:p>
             <a:fld id="{87C18632-067B-4D35-97FC-DCD903816E93}" type="datetimeFigureOut">
               <a:rPr lang="en-US" smtClean="0"/>
-              <a:t>8/23/2020</a:t>
+              <a:t>9/5/2020</a:t>
             </a:fld>
             <a:endParaRPr lang="en-US"/>
           </a:p>
@@ -2389,7 +2389,7 @@
           <a:p>
             <a:fld id="{87C18632-067B-4D35-97FC-DCD903816E93}" type="datetimeFigureOut">
               <a:rPr lang="en-US" smtClean="0"/>
-              <a:t>8/23/2020</a:t>
+              <a:t>9/5/2020</a:t>
             </a:fld>
             <a:endParaRPr lang="en-US"/>
           </a:p>
@@ -2677,7 +2677,7 @@
           <a:p>
             <a:fld id="{87C18632-067B-4D35-97FC-DCD903816E93}" type="datetimeFigureOut">
               <a:rPr lang="en-US" smtClean="0"/>
-              <a:t>8/23/2020</a:t>
+              <a:t>9/5/2020</a:t>
             </a:fld>
             <a:endParaRPr lang="en-US"/>
           </a:p>
@@ -2918,7 +2918,7 @@
           <a:p>
             <a:fld id="{87C18632-067B-4D35-97FC-DCD903816E93}" type="datetimeFigureOut">
               <a:rPr lang="en-US" smtClean="0"/>
-              <a:t>8/23/2020</a:t>
+              <a:t>9/5/2020</a:t>
             </a:fld>
             <a:endParaRPr lang="en-US"/>
           </a:p>
@@ -3349,7 +3349,7 @@
         </p:nvSpPr>
         <p:spPr>
           <a:xfrm>
-            <a:off x="0" y="0"/>
+            <a:off x="7951" y="0"/>
             <a:ext cx="5760000" cy="6858000"/>
           </a:xfrm>
           <a:prstGeom prst="rect">
@@ -8896,7 +8896,7 @@
                   <a:srgbClr val="F0F0F0"/>
                 </a:solidFill>
               </a:rPr>
-              <a:t>Modules</a:t>
+              <a:t>Sites</a:t>
             </a:r>
           </a:p>
         </p:txBody>
@@ -11128,7 +11128,7 @@
                   </a:schemeClr>
                 </a:solidFill>
               </a:rPr>
-              <a:t>Active Alarm</a:t>
+              <a:t>Raise Alarm</a:t>
             </a:r>
           </a:p>
         </p:txBody>
@@ -12319,7 +12319,7 @@
                   </a:schemeClr>
                 </a:solidFill>
               </a:rPr>
-              <a:t>Best View</a:t>
+              <a:t>Fit View</a:t>
             </a:r>
           </a:p>
         </p:txBody>
@@ -12770,7 +12770,7 @@
                   <a:srgbClr val="F0F0F0"/>
                 </a:solidFill>
               </a:rPr>
-              <a:t>Modules</a:t>
+              <a:t>Sites</a:t>
             </a:r>
           </a:p>
         </p:txBody>
